--- a/doc/CanaryProcess/Drawings.pptx
+++ b/doc/CanaryProcess/Drawings.pptx
@@ -3732,41 +3732,6 @@
             <a:r>
               <a:rPr lang="en-US" sz="1050" dirty="0"/>
               <a:t>version 1</a:t>
-            </a:r>
-          </a:p>
-        </p:txBody>
-      </p:sp>
-      <p:sp>
-        <p:nvSpPr>
-          <p:cNvPr id="21" name="TextBox 20">
-            <a:extLst>
-              <a:ext uri="{FF2B5EF4-FFF2-40B4-BE49-F238E27FC236}">
-                <a16:creationId xmlns:a16="http://schemas.microsoft.com/office/drawing/2014/main" id="{D4E0E407-D081-543A-5FD9-A9359A5DD610}"/>
-              </a:ext>
-            </a:extLst>
-          </p:cNvPr>
-          <p:cNvSpPr txBox="1"/>
-          <p:nvPr/>
-        </p:nvSpPr>
-        <p:spPr>
-          <a:xfrm>
-            <a:off x="10180908" y="4381717"/>
-            <a:ext cx="705642" cy="253916"/>
-          </a:xfrm>
-          <a:prstGeom prst="rect">
-            <a:avLst/>
-          </a:prstGeom>
-          <a:noFill/>
-        </p:spPr>
-        <p:txBody>
-          <a:bodyPr wrap="none" rtlCol="0">
-            <a:spAutoFit/>
-          </a:bodyPr>
-          <a:lstStyle/>
-          <a:p>
-            <a:r>
-              <a:rPr lang="en-US" sz="1050" dirty="0"/>
-              <a:t>version 2</a:t>
             </a:r>
           </a:p>
         </p:txBody>

--- a/doc/CanaryProcess/Drawings.pptx
+++ b/doc/CanaryProcess/Drawings.pptx
@@ -7,6 +7,8 @@
   <p:sldIdLst>
     <p:sldId id="256" r:id="rId2"/>
     <p:sldId id="257" r:id="rId3"/>
+    <p:sldId id="258" r:id="rId4"/>
+    <p:sldId id="259" r:id="rId5"/>
   </p:sldIdLst>
   <p:sldSz cx="12192000" cy="6858000"/>
   <p:notesSz cx="6858000" cy="9144000"/>
@@ -105,6 +107,11 @@
       </a:defRPr>
     </a:lvl9pPr>
   </p:defaultTextStyle>
+  <p:extLst>
+    <p:ext uri="{EFAFB233-063F-42B5-8137-9DF3F51BA10A}">
+      <p15:sldGuideLst xmlns:p15="http://schemas.microsoft.com/office/powerpoint/2012/main"/>
+    </p:ext>
+  </p:extLst>
 </p:presentation>
 </file>
 
@@ -255,7 +262,7 @@
           <a:p>
             <a:fld id="{EF29EA77-F145-4B12-B536-45EB9E9E5C13}" type="datetimeFigureOut">
               <a:rPr lang="en-US" smtClean="0"/>
-              <a:t>10/22/2024</a:t>
+              <a:t>4/24/2025</a:t>
             </a:fld>
             <a:endParaRPr lang="en-US"/>
           </a:p>
@@ -453,7 +460,7 @@
           <a:p>
             <a:fld id="{EF29EA77-F145-4B12-B536-45EB9E9E5C13}" type="datetimeFigureOut">
               <a:rPr lang="en-US" smtClean="0"/>
-              <a:t>10/22/2024</a:t>
+              <a:t>4/24/2025</a:t>
             </a:fld>
             <a:endParaRPr lang="en-US"/>
           </a:p>
@@ -661,7 +668,7 @@
           <a:p>
             <a:fld id="{EF29EA77-F145-4B12-B536-45EB9E9E5C13}" type="datetimeFigureOut">
               <a:rPr lang="en-US" smtClean="0"/>
-              <a:t>10/22/2024</a:t>
+              <a:t>4/24/2025</a:t>
             </a:fld>
             <a:endParaRPr lang="en-US"/>
           </a:p>
@@ -859,7 +866,7 @@
           <a:p>
             <a:fld id="{EF29EA77-F145-4B12-B536-45EB9E9E5C13}" type="datetimeFigureOut">
               <a:rPr lang="en-US" smtClean="0"/>
-              <a:t>10/22/2024</a:t>
+              <a:t>4/24/2025</a:t>
             </a:fld>
             <a:endParaRPr lang="en-US"/>
           </a:p>
@@ -1134,7 +1141,7 @@
           <a:p>
             <a:fld id="{EF29EA77-F145-4B12-B536-45EB9E9E5C13}" type="datetimeFigureOut">
               <a:rPr lang="en-US" smtClean="0"/>
-              <a:t>10/22/2024</a:t>
+              <a:t>4/24/2025</a:t>
             </a:fld>
             <a:endParaRPr lang="en-US"/>
           </a:p>
@@ -1399,7 +1406,7 @@
           <a:p>
             <a:fld id="{EF29EA77-F145-4B12-B536-45EB9E9E5C13}" type="datetimeFigureOut">
               <a:rPr lang="en-US" smtClean="0"/>
-              <a:t>10/22/2024</a:t>
+              <a:t>4/24/2025</a:t>
             </a:fld>
             <a:endParaRPr lang="en-US"/>
           </a:p>
@@ -1811,7 +1818,7 @@
           <a:p>
             <a:fld id="{EF29EA77-F145-4B12-B536-45EB9E9E5C13}" type="datetimeFigureOut">
               <a:rPr lang="en-US" smtClean="0"/>
-              <a:t>10/22/2024</a:t>
+              <a:t>4/24/2025</a:t>
             </a:fld>
             <a:endParaRPr lang="en-US"/>
           </a:p>
@@ -1952,7 +1959,7 @@
           <a:p>
             <a:fld id="{EF29EA77-F145-4B12-B536-45EB9E9E5C13}" type="datetimeFigureOut">
               <a:rPr lang="en-US" smtClean="0"/>
-              <a:t>10/22/2024</a:t>
+              <a:t>4/24/2025</a:t>
             </a:fld>
             <a:endParaRPr lang="en-US"/>
           </a:p>
@@ -2065,7 +2072,7 @@
           <a:p>
             <a:fld id="{EF29EA77-F145-4B12-B536-45EB9E9E5C13}" type="datetimeFigureOut">
               <a:rPr lang="en-US" smtClean="0"/>
-              <a:t>10/22/2024</a:t>
+              <a:t>4/24/2025</a:t>
             </a:fld>
             <a:endParaRPr lang="en-US"/>
           </a:p>
@@ -2376,7 +2383,7 @@
           <a:p>
             <a:fld id="{EF29EA77-F145-4B12-B536-45EB9E9E5C13}" type="datetimeFigureOut">
               <a:rPr lang="en-US" smtClean="0"/>
-              <a:t>10/22/2024</a:t>
+              <a:t>4/24/2025</a:t>
             </a:fld>
             <a:endParaRPr lang="en-US"/>
           </a:p>
@@ -2664,7 +2671,7 @@
           <a:p>
             <a:fld id="{EF29EA77-F145-4B12-B536-45EB9E9E5C13}" type="datetimeFigureOut">
               <a:rPr lang="en-US" smtClean="0"/>
-              <a:t>10/22/2024</a:t>
+              <a:t>4/24/2025</a:t>
             </a:fld>
             <a:endParaRPr lang="en-US"/>
           </a:p>
@@ -2905,7 +2912,7 @@
           <a:p>
             <a:fld id="{EF29EA77-F145-4B12-B536-45EB9E9E5C13}" type="datetimeFigureOut">
               <a:rPr lang="en-US" smtClean="0"/>
-              <a:t>10/22/2024</a:t>
+              <a:t>4/24/2025</a:t>
             </a:fld>
             <a:endParaRPr lang="en-US"/>
           </a:p>
@@ -4410,6 +4417,790 @@
     <p:extLst>
       <p:ext uri="{BB962C8B-B14F-4D97-AF65-F5344CB8AC3E}">
         <p14:creationId xmlns:p14="http://schemas.microsoft.com/office/powerpoint/2010/main" val="3762962810"/>
+      </p:ext>
+    </p:extLst>
+  </p:cSld>
+  <p:clrMapOvr>
+    <a:masterClrMapping/>
+  </p:clrMapOvr>
+</p:sld>
+</file>
+
+<file path=ppt/slides/slide3.xml><?xml version="1.0" encoding="utf-8"?>
+<p:sld xmlns:a="http://schemas.openxmlformats.org/drawingml/2006/main" xmlns:r="http://schemas.openxmlformats.org/officeDocument/2006/relationships" xmlns:p="http://schemas.openxmlformats.org/presentationml/2006/main">
+  <p:cSld>
+    <p:spTree>
+      <p:nvGrpSpPr>
+        <p:cNvPr id="1" name=""/>
+        <p:cNvGrpSpPr/>
+        <p:nvPr/>
+      </p:nvGrpSpPr>
+      <p:grpSpPr>
+        <a:xfrm>
+          <a:off x="0" y="0"/>
+          <a:ext cx="0" cy="0"/>
+          <a:chOff x="0" y="0"/>
+          <a:chExt cx="0" cy="0"/>
+        </a:xfrm>
+      </p:grpSpPr>
+      <p:sp>
+        <p:nvSpPr>
+          <p:cNvPr id="4" name="Rectangle 3">
+            <a:extLst>
+              <a:ext uri="{FF2B5EF4-FFF2-40B4-BE49-F238E27FC236}">
+                <a16:creationId xmlns:a16="http://schemas.microsoft.com/office/drawing/2014/main" id="{CF1E2B8C-65B3-417A-272E-AC39FEE0A6DC}"/>
+              </a:ext>
+            </a:extLst>
+          </p:cNvPr>
+          <p:cNvSpPr/>
+          <p:nvPr/>
+        </p:nvSpPr>
+        <p:spPr>
+          <a:xfrm>
+            <a:off x="692458" y="1429305"/>
+            <a:ext cx="1296140" cy="2343705"/>
+          </a:xfrm>
+          <a:prstGeom prst="rect">
+            <a:avLst/>
+          </a:prstGeom>
+        </p:spPr>
+        <p:style>
+          <a:lnRef idx="2">
+            <a:schemeClr val="accent1">
+              <a:shade val="15000"/>
+            </a:schemeClr>
+          </a:lnRef>
+          <a:fillRef idx="1">
+            <a:schemeClr val="accent1"/>
+          </a:fillRef>
+          <a:effectRef idx="0">
+            <a:schemeClr val="accent1"/>
+          </a:effectRef>
+          <a:fontRef idx="minor">
+            <a:schemeClr val="lt1"/>
+          </a:fontRef>
+        </p:style>
+        <p:txBody>
+          <a:bodyPr rtlCol="0" anchor="ctr"/>
+          <a:lstStyle/>
+          <a:p>
+            <a:pPr algn="ctr"/>
+            <a:r>
+              <a:rPr lang="en-US" sz="1200" dirty="0"/>
+              <a:t>Application</a:t>
+            </a:r>
+          </a:p>
+        </p:txBody>
+      </p:sp>
+      <p:pic>
+        <p:nvPicPr>
+          <p:cNvPr id="5" name="Picture 4">
+            <a:extLst>
+              <a:ext uri="{FF2B5EF4-FFF2-40B4-BE49-F238E27FC236}">
+                <a16:creationId xmlns:a16="http://schemas.microsoft.com/office/drawing/2014/main" id="{EE05AB45-370F-D64D-53DB-57BD2D60F3DF}"/>
+              </a:ext>
+            </a:extLst>
+          </p:cNvPr>
+          <p:cNvPicPr>
+            <a:picLocks noChangeAspect="1"/>
+          </p:cNvPicPr>
+          <p:nvPr/>
+        </p:nvPicPr>
+        <p:blipFill>
+          <a:blip r:embed="rId2"/>
+          <a:stretch>
+            <a:fillRect/>
+          </a:stretch>
+        </p:blipFill>
+        <p:spPr>
+          <a:xfrm>
+            <a:off x="8833282" y="1428627"/>
+            <a:ext cx="3190994" cy="1172530"/>
+          </a:xfrm>
+          <a:prstGeom prst="rect">
+            <a:avLst/>
+          </a:prstGeom>
+        </p:spPr>
+      </p:pic>
+      <p:pic>
+        <p:nvPicPr>
+          <p:cNvPr id="6" name="Picture 5">
+            <a:extLst>
+              <a:ext uri="{FF2B5EF4-FFF2-40B4-BE49-F238E27FC236}">
+                <a16:creationId xmlns:a16="http://schemas.microsoft.com/office/drawing/2014/main" id="{8C5B7388-9D5D-D82C-5E3E-DE0FF355DD14}"/>
+              </a:ext>
+            </a:extLst>
+          </p:cNvPr>
+          <p:cNvPicPr>
+            <a:picLocks noChangeAspect="1"/>
+          </p:cNvPicPr>
+          <p:nvPr/>
+        </p:nvPicPr>
+        <p:blipFill>
+          <a:blip r:embed="rId3"/>
+          <a:stretch>
+            <a:fillRect/>
+          </a:stretch>
+        </p:blipFill>
+        <p:spPr>
+          <a:xfrm>
+            <a:off x="8924949" y="3162947"/>
+            <a:ext cx="2821985" cy="1218770"/>
+          </a:xfrm>
+          <a:prstGeom prst="rect">
+            <a:avLst/>
+          </a:prstGeom>
+        </p:spPr>
+      </p:pic>
+      <p:cxnSp>
+        <p:nvCxnSpPr>
+          <p:cNvPr id="7" name="Straight Arrow Connector 6">
+            <a:extLst>
+              <a:ext uri="{FF2B5EF4-FFF2-40B4-BE49-F238E27FC236}">
+                <a16:creationId xmlns:a16="http://schemas.microsoft.com/office/drawing/2014/main" id="{CBAE7AFC-A2C3-F9F7-6F20-9FACCA59D952}"/>
+              </a:ext>
+            </a:extLst>
+          </p:cNvPr>
+          <p:cNvCxnSpPr>
+            <a:cxnSpLocks/>
+          </p:cNvCxnSpPr>
+          <p:nvPr/>
+        </p:nvCxnSpPr>
+        <p:spPr>
+          <a:xfrm flipV="1">
+            <a:off x="2059619" y="2006600"/>
+            <a:ext cx="6627181" cy="97408"/>
+          </a:xfrm>
+          <a:prstGeom prst="straightConnector1">
+            <a:avLst/>
+          </a:prstGeom>
+          <a:ln w="57150">
+            <a:solidFill>
+              <a:srgbClr val="00B0F0"/>
+            </a:solidFill>
+            <a:tailEnd type="triangle"/>
+          </a:ln>
+        </p:spPr>
+        <p:style>
+          <a:lnRef idx="2">
+            <a:schemeClr val="accent1"/>
+          </a:lnRef>
+          <a:fillRef idx="0">
+            <a:schemeClr val="accent1"/>
+          </a:fillRef>
+          <a:effectRef idx="1">
+            <a:schemeClr val="accent1"/>
+          </a:effectRef>
+          <a:fontRef idx="minor">
+            <a:schemeClr val="tx1"/>
+          </a:fontRef>
+        </p:style>
+      </p:cxnSp>
+      <p:sp>
+        <p:nvSpPr>
+          <p:cNvPr id="8" name="TextBox 7">
+            <a:extLst>
+              <a:ext uri="{FF2B5EF4-FFF2-40B4-BE49-F238E27FC236}">
+                <a16:creationId xmlns:a16="http://schemas.microsoft.com/office/drawing/2014/main" id="{A1DAAF36-E1DE-B3DE-E210-7308EB3BFBA6}"/>
+              </a:ext>
+            </a:extLst>
+          </p:cNvPr>
+          <p:cNvSpPr txBox="1"/>
+          <p:nvPr/>
+        </p:nvSpPr>
+        <p:spPr>
+          <a:xfrm>
+            <a:off x="2059619" y="1850092"/>
+            <a:ext cx="1627369" cy="253916"/>
+          </a:xfrm>
+          <a:prstGeom prst="rect">
+            <a:avLst/>
+          </a:prstGeom>
+          <a:noFill/>
+        </p:spPr>
+        <p:txBody>
+          <a:bodyPr wrap="square" rtlCol="0">
+            <a:spAutoFit/>
+          </a:bodyPr>
+          <a:lstStyle/>
+          <a:p>
+            <a:r>
+              <a:rPr lang="en-US" sz="1050" dirty="0"/>
+              <a:t>Create </a:t>
+            </a:r>
+            <a:r>
+              <a:rPr lang="en-US" sz="1050" dirty="0" err="1"/>
+              <a:t>CustomerTickets</a:t>
+            </a:r>
+            <a:r>
+              <a:rPr lang="en-US" sz="1050" dirty="0"/>
+              <a:t> </a:t>
+            </a:r>
+          </a:p>
+        </p:txBody>
+      </p:sp>
+      <p:sp>
+        <p:nvSpPr>
+          <p:cNvPr id="10" name="TextBox 9">
+            <a:extLst>
+              <a:ext uri="{FF2B5EF4-FFF2-40B4-BE49-F238E27FC236}">
+                <a16:creationId xmlns:a16="http://schemas.microsoft.com/office/drawing/2014/main" id="{6A86ABA1-2D89-0E45-56BB-0FAC983A31D6}"/>
+              </a:ext>
+            </a:extLst>
+          </p:cNvPr>
+          <p:cNvSpPr txBox="1"/>
+          <p:nvPr/>
+        </p:nvSpPr>
+        <p:spPr>
+          <a:xfrm>
+            <a:off x="9384101" y="1151628"/>
+            <a:ext cx="2089355" cy="276999"/>
+          </a:xfrm>
+          <a:prstGeom prst="rect">
+            <a:avLst/>
+          </a:prstGeom>
+          <a:noFill/>
+        </p:spPr>
+        <p:txBody>
+          <a:bodyPr wrap="none" rtlCol="0">
+            <a:spAutoFit/>
+          </a:bodyPr>
+          <a:lstStyle/>
+          <a:p>
+            <a:r>
+              <a:rPr lang="en-US" sz="1200" noProof="0" dirty="0"/>
+              <a:t>Version 1 (Blue environment)</a:t>
+            </a:r>
+          </a:p>
+        </p:txBody>
+      </p:sp>
+      <p:sp>
+        <p:nvSpPr>
+          <p:cNvPr id="12" name="TextBox 11">
+            <a:extLst>
+              <a:ext uri="{FF2B5EF4-FFF2-40B4-BE49-F238E27FC236}">
+                <a16:creationId xmlns:a16="http://schemas.microsoft.com/office/drawing/2014/main" id="{AFA0B064-6700-812A-58BF-661F67188E44}"/>
+              </a:ext>
+            </a:extLst>
+          </p:cNvPr>
+          <p:cNvSpPr txBox="1"/>
+          <p:nvPr/>
+        </p:nvSpPr>
+        <p:spPr>
+          <a:xfrm>
+            <a:off x="9254028" y="2885948"/>
+            <a:ext cx="2349500" cy="276999"/>
+          </a:xfrm>
+          <a:prstGeom prst="rect">
+            <a:avLst/>
+          </a:prstGeom>
+          <a:noFill/>
+        </p:spPr>
+        <p:txBody>
+          <a:bodyPr wrap="square">
+            <a:spAutoFit/>
+          </a:bodyPr>
+          <a:lstStyle/>
+          <a:p>
+            <a:r>
+              <a:rPr lang="en-US" sz="1200" noProof="0" dirty="0"/>
+              <a:t>Version 2 (Green environment)</a:t>
+            </a:r>
+          </a:p>
+        </p:txBody>
+      </p:sp>
+    </p:spTree>
+    <p:extLst>
+      <p:ext uri="{BB962C8B-B14F-4D97-AF65-F5344CB8AC3E}">
+        <p14:creationId xmlns:p14="http://schemas.microsoft.com/office/powerpoint/2010/main" val="3893620869"/>
+      </p:ext>
+    </p:extLst>
+  </p:cSld>
+  <p:clrMapOvr>
+    <a:masterClrMapping/>
+  </p:clrMapOvr>
+</p:sld>
+</file>
+
+<file path=ppt/slides/slide4.xml><?xml version="1.0" encoding="utf-8"?>
+<p:sld xmlns:a="http://schemas.openxmlformats.org/drawingml/2006/main" xmlns:r="http://schemas.openxmlformats.org/officeDocument/2006/relationships" xmlns:p="http://schemas.openxmlformats.org/presentationml/2006/main">
+  <p:cSld>
+    <p:spTree>
+      <p:nvGrpSpPr>
+        <p:cNvPr id="1" name="">
+          <a:extLst>
+            <a:ext uri="{FF2B5EF4-FFF2-40B4-BE49-F238E27FC236}">
+              <a16:creationId xmlns:a16="http://schemas.microsoft.com/office/drawing/2014/main" id="{C64EB06B-08A0-E1D0-1D9B-6EEE3D6A78F6}"/>
+            </a:ext>
+          </a:extLst>
+        </p:cNvPr>
+        <p:cNvGrpSpPr/>
+        <p:nvPr/>
+      </p:nvGrpSpPr>
+      <p:grpSpPr>
+        <a:xfrm>
+          <a:off x="0" y="0"/>
+          <a:ext cx="0" cy="0"/>
+          <a:chOff x="0" y="0"/>
+          <a:chExt cx="0" cy="0"/>
+        </a:xfrm>
+      </p:grpSpPr>
+      <p:sp>
+        <p:nvSpPr>
+          <p:cNvPr id="4" name="Rectangle 3">
+            <a:extLst>
+              <a:ext uri="{FF2B5EF4-FFF2-40B4-BE49-F238E27FC236}">
+                <a16:creationId xmlns:a16="http://schemas.microsoft.com/office/drawing/2014/main" id="{0A424047-56AF-3F45-565C-15922B79C7E0}"/>
+              </a:ext>
+            </a:extLst>
+          </p:cNvPr>
+          <p:cNvSpPr/>
+          <p:nvPr/>
+        </p:nvSpPr>
+        <p:spPr>
+          <a:xfrm>
+            <a:off x="692458" y="1429305"/>
+            <a:ext cx="1296140" cy="2343705"/>
+          </a:xfrm>
+          <a:prstGeom prst="rect">
+            <a:avLst/>
+          </a:prstGeom>
+        </p:spPr>
+        <p:style>
+          <a:lnRef idx="2">
+            <a:schemeClr val="accent1">
+              <a:shade val="15000"/>
+            </a:schemeClr>
+          </a:lnRef>
+          <a:fillRef idx="1">
+            <a:schemeClr val="accent1"/>
+          </a:fillRef>
+          <a:effectRef idx="0">
+            <a:schemeClr val="accent1"/>
+          </a:effectRef>
+          <a:fontRef idx="minor">
+            <a:schemeClr val="lt1"/>
+          </a:fontRef>
+        </p:style>
+        <p:txBody>
+          <a:bodyPr rtlCol="0" anchor="ctr"/>
+          <a:lstStyle/>
+          <a:p>
+            <a:pPr algn="ctr"/>
+            <a:r>
+              <a:rPr lang="en-US" sz="1200" dirty="0"/>
+              <a:t>Application</a:t>
+            </a:r>
+          </a:p>
+        </p:txBody>
+      </p:sp>
+      <p:pic>
+        <p:nvPicPr>
+          <p:cNvPr id="5" name="Picture 4">
+            <a:extLst>
+              <a:ext uri="{FF2B5EF4-FFF2-40B4-BE49-F238E27FC236}">
+                <a16:creationId xmlns:a16="http://schemas.microsoft.com/office/drawing/2014/main" id="{829D9E42-9043-EF22-582F-674E5E32C3DB}"/>
+              </a:ext>
+            </a:extLst>
+          </p:cNvPr>
+          <p:cNvPicPr>
+            <a:picLocks noChangeAspect="1"/>
+          </p:cNvPicPr>
+          <p:nvPr/>
+        </p:nvPicPr>
+        <p:blipFill>
+          <a:blip r:embed="rId2"/>
+          <a:stretch>
+            <a:fillRect/>
+          </a:stretch>
+        </p:blipFill>
+        <p:spPr>
+          <a:xfrm>
+            <a:off x="8833282" y="1428627"/>
+            <a:ext cx="3190994" cy="1172530"/>
+          </a:xfrm>
+          <a:prstGeom prst="rect">
+            <a:avLst/>
+          </a:prstGeom>
+        </p:spPr>
+      </p:pic>
+      <p:pic>
+        <p:nvPicPr>
+          <p:cNvPr id="6" name="Picture 5">
+            <a:extLst>
+              <a:ext uri="{FF2B5EF4-FFF2-40B4-BE49-F238E27FC236}">
+                <a16:creationId xmlns:a16="http://schemas.microsoft.com/office/drawing/2014/main" id="{EA09ACA6-AFA2-E177-22E8-5E2FE2D08533}"/>
+              </a:ext>
+            </a:extLst>
+          </p:cNvPr>
+          <p:cNvPicPr>
+            <a:picLocks noChangeAspect="1"/>
+          </p:cNvPicPr>
+          <p:nvPr/>
+        </p:nvPicPr>
+        <p:blipFill>
+          <a:blip r:embed="rId3"/>
+          <a:stretch>
+            <a:fillRect/>
+          </a:stretch>
+        </p:blipFill>
+        <p:spPr>
+          <a:xfrm>
+            <a:off x="8924949" y="3162947"/>
+            <a:ext cx="2821985" cy="1218770"/>
+          </a:xfrm>
+          <a:prstGeom prst="rect">
+            <a:avLst/>
+          </a:prstGeom>
+        </p:spPr>
+      </p:pic>
+      <p:cxnSp>
+        <p:nvCxnSpPr>
+          <p:cNvPr id="7" name="Straight Arrow Connector 6">
+            <a:extLst>
+              <a:ext uri="{FF2B5EF4-FFF2-40B4-BE49-F238E27FC236}">
+                <a16:creationId xmlns:a16="http://schemas.microsoft.com/office/drawing/2014/main" id="{09EE0D98-0A80-D9D1-3B37-72430AA44C91}"/>
+              </a:ext>
+            </a:extLst>
+          </p:cNvPr>
+          <p:cNvCxnSpPr>
+            <a:cxnSpLocks/>
+          </p:cNvCxnSpPr>
+          <p:nvPr/>
+        </p:nvCxnSpPr>
+        <p:spPr>
+          <a:xfrm flipV="1">
+            <a:off x="2059619" y="2006600"/>
+            <a:ext cx="6627181" cy="97408"/>
+          </a:xfrm>
+          <a:prstGeom prst="straightConnector1">
+            <a:avLst/>
+          </a:prstGeom>
+          <a:ln w="57150">
+            <a:solidFill>
+              <a:srgbClr val="00B0F0"/>
+            </a:solidFill>
+            <a:tailEnd type="triangle"/>
+          </a:ln>
+        </p:spPr>
+        <p:style>
+          <a:lnRef idx="2">
+            <a:schemeClr val="accent1"/>
+          </a:lnRef>
+          <a:fillRef idx="0">
+            <a:schemeClr val="accent1"/>
+          </a:fillRef>
+          <a:effectRef idx="1">
+            <a:schemeClr val="accent1"/>
+          </a:effectRef>
+          <a:fontRef idx="minor">
+            <a:schemeClr val="tx1"/>
+          </a:fontRef>
+        </p:style>
+      </p:cxnSp>
+      <p:sp>
+        <p:nvSpPr>
+          <p:cNvPr id="8" name="TextBox 7">
+            <a:extLst>
+              <a:ext uri="{FF2B5EF4-FFF2-40B4-BE49-F238E27FC236}">
+                <a16:creationId xmlns:a16="http://schemas.microsoft.com/office/drawing/2014/main" id="{4D246B69-2E3B-25A6-8375-69EFEB5FC4D9}"/>
+              </a:ext>
+            </a:extLst>
+          </p:cNvPr>
+          <p:cNvSpPr txBox="1"/>
+          <p:nvPr/>
+        </p:nvSpPr>
+        <p:spPr>
+          <a:xfrm>
+            <a:off x="2059619" y="1850092"/>
+            <a:ext cx="1627369" cy="253916"/>
+          </a:xfrm>
+          <a:prstGeom prst="rect">
+            <a:avLst/>
+          </a:prstGeom>
+          <a:noFill/>
+        </p:spPr>
+        <p:txBody>
+          <a:bodyPr wrap="square" rtlCol="0">
+            <a:spAutoFit/>
+          </a:bodyPr>
+          <a:lstStyle/>
+          <a:p>
+            <a:r>
+              <a:rPr lang="en-US" sz="1050" dirty="0"/>
+              <a:t>Create </a:t>
+            </a:r>
+            <a:r>
+              <a:rPr lang="en-US" sz="1050" dirty="0" err="1"/>
+              <a:t>CustomerTickets</a:t>
+            </a:r>
+            <a:r>
+              <a:rPr lang="en-US" sz="1050" dirty="0"/>
+              <a:t> </a:t>
+            </a:r>
+          </a:p>
+        </p:txBody>
+      </p:sp>
+      <p:sp>
+        <p:nvSpPr>
+          <p:cNvPr id="10" name="TextBox 9">
+            <a:extLst>
+              <a:ext uri="{FF2B5EF4-FFF2-40B4-BE49-F238E27FC236}">
+                <a16:creationId xmlns:a16="http://schemas.microsoft.com/office/drawing/2014/main" id="{C9BBB8A9-EA83-AF8F-E604-C040A645CEDC}"/>
+              </a:ext>
+            </a:extLst>
+          </p:cNvPr>
+          <p:cNvSpPr txBox="1"/>
+          <p:nvPr/>
+        </p:nvSpPr>
+        <p:spPr>
+          <a:xfrm>
+            <a:off x="9384101" y="1151628"/>
+            <a:ext cx="2089355" cy="276999"/>
+          </a:xfrm>
+          <a:prstGeom prst="rect">
+            <a:avLst/>
+          </a:prstGeom>
+          <a:noFill/>
+        </p:spPr>
+        <p:txBody>
+          <a:bodyPr wrap="none" rtlCol="0">
+            <a:spAutoFit/>
+          </a:bodyPr>
+          <a:lstStyle/>
+          <a:p>
+            <a:r>
+              <a:rPr lang="en-US" sz="1200" noProof="0" dirty="0"/>
+              <a:t>Version 1 (Blue environment)</a:t>
+            </a:r>
+          </a:p>
+        </p:txBody>
+      </p:sp>
+      <p:sp>
+        <p:nvSpPr>
+          <p:cNvPr id="12" name="TextBox 11">
+            <a:extLst>
+              <a:ext uri="{FF2B5EF4-FFF2-40B4-BE49-F238E27FC236}">
+                <a16:creationId xmlns:a16="http://schemas.microsoft.com/office/drawing/2014/main" id="{E9830B1E-8332-3A8A-241D-889DDD1EC717}"/>
+              </a:ext>
+            </a:extLst>
+          </p:cNvPr>
+          <p:cNvSpPr txBox="1"/>
+          <p:nvPr/>
+        </p:nvSpPr>
+        <p:spPr>
+          <a:xfrm>
+            <a:off x="9254028" y="2885948"/>
+            <a:ext cx="2349500" cy="276999"/>
+          </a:xfrm>
+          <a:prstGeom prst="rect">
+            <a:avLst/>
+          </a:prstGeom>
+          <a:noFill/>
+        </p:spPr>
+        <p:txBody>
+          <a:bodyPr wrap="square">
+            <a:spAutoFit/>
+          </a:bodyPr>
+          <a:lstStyle/>
+          <a:p>
+            <a:r>
+              <a:rPr lang="en-US" sz="1200" noProof="0" dirty="0"/>
+              <a:t>Version 2 (Green environment)</a:t>
+            </a:r>
+          </a:p>
+        </p:txBody>
+      </p:sp>
+      <p:sp>
+        <p:nvSpPr>
+          <p:cNvPr id="3" name="Rectangle 2">
+            <a:extLst>
+              <a:ext uri="{FF2B5EF4-FFF2-40B4-BE49-F238E27FC236}">
+                <a16:creationId xmlns:a16="http://schemas.microsoft.com/office/drawing/2014/main" id="{B6298492-0D70-5D9F-9767-64F27A08A6B1}"/>
+              </a:ext>
+            </a:extLst>
+          </p:cNvPr>
+          <p:cNvSpPr/>
+          <p:nvPr/>
+        </p:nvSpPr>
+        <p:spPr>
+          <a:xfrm>
+            <a:off x="3931058" y="1429304"/>
+            <a:ext cx="1296140" cy="2343705"/>
+          </a:xfrm>
+          <a:prstGeom prst="rect">
+            <a:avLst/>
+          </a:prstGeom>
+          <a:solidFill>
+            <a:schemeClr val="accent3">
+              <a:lumMod val="60000"/>
+              <a:lumOff val="40000"/>
+            </a:schemeClr>
+          </a:solidFill>
+        </p:spPr>
+        <p:style>
+          <a:lnRef idx="2">
+            <a:schemeClr val="accent1">
+              <a:shade val="15000"/>
+            </a:schemeClr>
+          </a:lnRef>
+          <a:fillRef idx="1">
+            <a:schemeClr val="accent1"/>
+          </a:fillRef>
+          <a:effectRef idx="0">
+            <a:schemeClr val="accent1"/>
+          </a:effectRef>
+          <a:fontRef idx="minor">
+            <a:schemeClr val="lt1"/>
+          </a:fontRef>
+        </p:style>
+        <p:txBody>
+          <a:bodyPr rtlCol="0" anchor="ctr"/>
+          <a:lstStyle/>
+          <a:p>
+            <a:pPr algn="ctr"/>
+            <a:r>
+              <a:rPr lang="en-US" sz="1200" dirty="0" err="1">
+                <a:solidFill>
+                  <a:schemeClr val="tx1">
+                    <a:lumMod val="75000"/>
+                    <a:lumOff val="25000"/>
+                  </a:schemeClr>
+                </a:solidFill>
+              </a:rPr>
+              <a:t>CanaryApps</a:t>
+            </a:r>
+            <a:endParaRPr lang="en-US" sz="1200" dirty="0">
+              <a:solidFill>
+                <a:schemeClr val="tx1">
+                  <a:lumMod val="75000"/>
+                  <a:lumOff val="25000"/>
+                </a:schemeClr>
+              </a:solidFill>
+            </a:endParaRPr>
+          </a:p>
+        </p:txBody>
+      </p:sp>
+      <p:cxnSp>
+        <p:nvCxnSpPr>
+          <p:cNvPr id="9" name="Straight Arrow Connector 8">
+            <a:extLst>
+              <a:ext uri="{FF2B5EF4-FFF2-40B4-BE49-F238E27FC236}">
+                <a16:creationId xmlns:a16="http://schemas.microsoft.com/office/drawing/2014/main" id="{84A9879B-1361-26EA-06B6-7581726629FE}"/>
+              </a:ext>
+            </a:extLst>
+          </p:cNvPr>
+          <p:cNvCxnSpPr>
+            <a:cxnSpLocks/>
+          </p:cNvCxnSpPr>
+          <p:nvPr/>
+        </p:nvCxnSpPr>
+        <p:spPr>
+          <a:xfrm>
+            <a:off x="5181498" y="2104008"/>
+            <a:ext cx="3651784" cy="1540892"/>
+          </a:xfrm>
+          <a:prstGeom prst="straightConnector1">
+            <a:avLst/>
+          </a:prstGeom>
+          <a:ln w="57150">
+            <a:solidFill>
+              <a:srgbClr val="00B0F0"/>
+            </a:solidFill>
+            <a:tailEnd type="triangle"/>
+          </a:ln>
+        </p:spPr>
+        <p:style>
+          <a:lnRef idx="2">
+            <a:schemeClr val="accent1"/>
+          </a:lnRef>
+          <a:fillRef idx="0">
+            <a:schemeClr val="accent1"/>
+          </a:fillRef>
+          <a:effectRef idx="1">
+            <a:schemeClr val="accent1"/>
+          </a:effectRef>
+          <a:fontRef idx="minor">
+            <a:schemeClr val="tx1"/>
+          </a:fontRef>
+        </p:style>
+      </p:cxnSp>
+      <p:sp>
+        <p:nvSpPr>
+          <p:cNvPr id="16" name="TextBox 15">
+            <a:extLst>
+              <a:ext uri="{FF2B5EF4-FFF2-40B4-BE49-F238E27FC236}">
+                <a16:creationId xmlns:a16="http://schemas.microsoft.com/office/drawing/2014/main" id="{F8B532B2-64E7-4CC9-EE81-45CB7F0A0CB6}"/>
+              </a:ext>
+            </a:extLst>
+          </p:cNvPr>
+          <p:cNvSpPr txBox="1"/>
+          <p:nvPr/>
+        </p:nvSpPr>
+        <p:spPr>
+          <a:xfrm>
+            <a:off x="6385104" y="1637268"/>
+            <a:ext cx="622286" cy="369332"/>
+          </a:xfrm>
+          <a:prstGeom prst="rect">
+            <a:avLst/>
+          </a:prstGeom>
+          <a:noFill/>
+        </p:spPr>
+        <p:txBody>
+          <a:bodyPr wrap="none" rtlCol="0">
+            <a:spAutoFit/>
+          </a:bodyPr>
+          <a:lstStyle/>
+          <a:p>
+            <a:r>
+              <a:rPr lang="fr-FR" dirty="0"/>
+              <a:t>80%</a:t>
+            </a:r>
+            <a:endParaRPr lang="en-US" dirty="0"/>
+          </a:p>
+        </p:txBody>
+      </p:sp>
+      <p:sp>
+        <p:nvSpPr>
+          <p:cNvPr id="17" name="TextBox 16">
+            <a:extLst>
+              <a:ext uri="{FF2B5EF4-FFF2-40B4-BE49-F238E27FC236}">
+                <a16:creationId xmlns:a16="http://schemas.microsoft.com/office/drawing/2014/main" id="{91B185ED-413A-94C5-72AC-7C415E563229}"/>
+              </a:ext>
+            </a:extLst>
+          </p:cNvPr>
+          <p:cNvSpPr txBox="1"/>
+          <p:nvPr/>
+        </p:nvSpPr>
+        <p:spPr>
+          <a:xfrm>
+            <a:off x="6858515" y="2471768"/>
+            <a:ext cx="622286" cy="369332"/>
+          </a:xfrm>
+          <a:prstGeom prst="rect">
+            <a:avLst/>
+          </a:prstGeom>
+          <a:noFill/>
+        </p:spPr>
+        <p:txBody>
+          <a:bodyPr wrap="none" rtlCol="0">
+            <a:spAutoFit/>
+          </a:bodyPr>
+          <a:lstStyle/>
+          <a:p>
+            <a:r>
+              <a:rPr lang="fr-FR" dirty="0"/>
+              <a:t>20%</a:t>
+            </a:r>
+            <a:endParaRPr lang="en-US" dirty="0"/>
+          </a:p>
+        </p:txBody>
+      </p:sp>
+    </p:spTree>
+    <p:extLst>
+      <p:ext uri="{BB962C8B-B14F-4D97-AF65-F5344CB8AC3E}">
+        <p14:creationId xmlns:p14="http://schemas.microsoft.com/office/powerpoint/2010/main" val="2499585736"/>
       </p:ext>
     </p:extLst>
   </p:cSld>

--- a/doc/CanaryProcess/Drawings.pptx
+++ b/doc/CanaryProcess/Drawings.pptx
@@ -9,6 +9,8 @@
     <p:sldId id="257" r:id="rId3"/>
     <p:sldId id="258" r:id="rId4"/>
     <p:sldId id="259" r:id="rId5"/>
+    <p:sldId id="260" r:id="rId6"/>
+    <p:sldId id="261" r:id="rId7"/>
   </p:sldIdLst>
   <p:sldSz cx="12192000" cy="6858000"/>
   <p:notesSz cx="6858000" cy="9144000"/>
@@ -4794,66 +4796,6 @@
           </a:p>
         </p:txBody>
       </p:sp>
-      <p:pic>
-        <p:nvPicPr>
-          <p:cNvPr id="5" name="Picture 4">
-            <a:extLst>
-              <a:ext uri="{FF2B5EF4-FFF2-40B4-BE49-F238E27FC236}">
-                <a16:creationId xmlns:a16="http://schemas.microsoft.com/office/drawing/2014/main" id="{829D9E42-9043-EF22-582F-674E5E32C3DB}"/>
-              </a:ext>
-            </a:extLst>
-          </p:cNvPr>
-          <p:cNvPicPr>
-            <a:picLocks noChangeAspect="1"/>
-          </p:cNvPicPr>
-          <p:nvPr/>
-        </p:nvPicPr>
-        <p:blipFill>
-          <a:blip r:embed="rId2"/>
-          <a:stretch>
-            <a:fillRect/>
-          </a:stretch>
-        </p:blipFill>
-        <p:spPr>
-          <a:xfrm>
-            <a:off x="8833282" y="1428627"/>
-            <a:ext cx="3190994" cy="1172530"/>
-          </a:xfrm>
-          <a:prstGeom prst="rect">
-            <a:avLst/>
-          </a:prstGeom>
-        </p:spPr>
-      </p:pic>
-      <p:pic>
-        <p:nvPicPr>
-          <p:cNvPr id="6" name="Picture 5">
-            <a:extLst>
-              <a:ext uri="{FF2B5EF4-FFF2-40B4-BE49-F238E27FC236}">
-                <a16:creationId xmlns:a16="http://schemas.microsoft.com/office/drawing/2014/main" id="{EA09ACA6-AFA2-E177-22E8-5E2FE2D08533}"/>
-              </a:ext>
-            </a:extLst>
-          </p:cNvPr>
-          <p:cNvPicPr>
-            <a:picLocks noChangeAspect="1"/>
-          </p:cNvPicPr>
-          <p:nvPr/>
-        </p:nvPicPr>
-        <p:blipFill>
-          <a:blip r:embed="rId3"/>
-          <a:stretch>
-            <a:fillRect/>
-          </a:stretch>
-        </p:blipFill>
-        <p:spPr>
-          <a:xfrm>
-            <a:off x="8924949" y="3162947"/>
-            <a:ext cx="2821985" cy="1218770"/>
-          </a:xfrm>
-          <a:prstGeom prst="rect">
-            <a:avLst/>
-          </a:prstGeom>
-        </p:spPr>
-      </p:pic>
       <p:cxnSp>
         <p:nvCxnSpPr>
           <p:cNvPr id="7" name="Straight Arrow Connector 6">
@@ -4937,76 +4879,6 @@
             <a:r>
               <a:rPr lang="en-US" sz="1050" dirty="0"/>
               <a:t> </a:t>
-            </a:r>
-          </a:p>
-        </p:txBody>
-      </p:sp>
-      <p:sp>
-        <p:nvSpPr>
-          <p:cNvPr id="10" name="TextBox 9">
-            <a:extLst>
-              <a:ext uri="{FF2B5EF4-FFF2-40B4-BE49-F238E27FC236}">
-                <a16:creationId xmlns:a16="http://schemas.microsoft.com/office/drawing/2014/main" id="{C9BBB8A9-EA83-AF8F-E604-C040A645CEDC}"/>
-              </a:ext>
-            </a:extLst>
-          </p:cNvPr>
-          <p:cNvSpPr txBox="1"/>
-          <p:nvPr/>
-        </p:nvSpPr>
-        <p:spPr>
-          <a:xfrm>
-            <a:off x="9384101" y="1151628"/>
-            <a:ext cx="2089355" cy="276999"/>
-          </a:xfrm>
-          <a:prstGeom prst="rect">
-            <a:avLst/>
-          </a:prstGeom>
-          <a:noFill/>
-        </p:spPr>
-        <p:txBody>
-          <a:bodyPr wrap="none" rtlCol="0">
-            <a:spAutoFit/>
-          </a:bodyPr>
-          <a:lstStyle/>
-          <a:p>
-            <a:r>
-              <a:rPr lang="en-US" sz="1200" noProof="0" dirty="0"/>
-              <a:t>Version 1 (Blue environment)</a:t>
-            </a:r>
-          </a:p>
-        </p:txBody>
-      </p:sp>
-      <p:sp>
-        <p:nvSpPr>
-          <p:cNvPr id="12" name="TextBox 11">
-            <a:extLst>
-              <a:ext uri="{FF2B5EF4-FFF2-40B4-BE49-F238E27FC236}">
-                <a16:creationId xmlns:a16="http://schemas.microsoft.com/office/drawing/2014/main" id="{E9830B1E-8332-3A8A-241D-889DDD1EC717}"/>
-              </a:ext>
-            </a:extLst>
-          </p:cNvPr>
-          <p:cNvSpPr txBox="1"/>
-          <p:nvPr/>
-        </p:nvSpPr>
-        <p:spPr>
-          <a:xfrm>
-            <a:off x="9254028" y="2885948"/>
-            <a:ext cx="2349500" cy="276999"/>
-          </a:xfrm>
-          <a:prstGeom prst="rect">
-            <a:avLst/>
-          </a:prstGeom>
-          <a:noFill/>
-        </p:spPr>
-        <p:txBody>
-          <a:bodyPr wrap="square">
-            <a:spAutoFit/>
-          </a:bodyPr>
-          <a:lstStyle/>
-          <a:p>
-            <a:r>
-              <a:rPr lang="en-US" sz="1200" noProof="0" dirty="0"/>
-              <a:t>Version 2 (Green environment)</a:t>
             </a:r>
           </a:p>
         </p:txBody>
@@ -5140,7 +5012,7 @@
         <p:spPr>
           <a:xfrm>
             <a:off x="6385104" y="1637268"/>
-            <a:ext cx="622286" cy="369332"/>
+            <a:ext cx="2905795" cy="369332"/>
           </a:xfrm>
           <a:prstGeom prst="rect">
             <a:avLst/>
@@ -5155,7 +5027,15 @@
           <a:p>
             <a:r>
               <a:rPr lang="fr-FR" dirty="0"/>
-              <a:t>80%</a:t>
+              <a:t>80%: </a:t>
+            </a:r>
+            <a:r>
+              <a:rPr lang="fr-FR" dirty="0" err="1"/>
+              <a:t>subprocessToCall</a:t>
+            </a:r>
+            <a:r>
+              <a:rPr lang="fr-FR" dirty="0"/>
+              <a:t>=V1</a:t>
             </a:r>
             <a:endParaRPr lang="en-US" dirty="0"/>
           </a:p>
@@ -5175,8 +5055,8 @@
         </p:nvSpPr>
         <p:spPr>
           <a:xfrm>
-            <a:off x="6858515" y="2471768"/>
-            <a:ext cx="622286" cy="369332"/>
+            <a:off x="5373209" y="3339623"/>
+            <a:ext cx="2923429" cy="369332"/>
           </a:xfrm>
           <a:prstGeom prst="rect">
             <a:avLst/>
@@ -5191,16 +5071,935 @@
           <a:p>
             <a:r>
               <a:rPr lang="fr-FR" dirty="0"/>
-              <a:t>20%</a:t>
+              <a:t>20%: </a:t>
+            </a:r>
+            <a:r>
+              <a:rPr lang="fr-FR" dirty="0" err="1"/>
+              <a:t>SubprocessToCall</a:t>
+            </a:r>
+            <a:r>
+              <a:rPr lang="fr-FR" dirty="0"/>
+              <a:t>=V2</a:t>
             </a:r>
             <a:endParaRPr lang="en-US" dirty="0"/>
           </a:p>
         </p:txBody>
       </p:sp>
+      <p:pic>
+        <p:nvPicPr>
+          <p:cNvPr id="21" name="Picture 20">
+            <a:extLst>
+              <a:ext uri="{FF2B5EF4-FFF2-40B4-BE49-F238E27FC236}">
+                <a16:creationId xmlns:a16="http://schemas.microsoft.com/office/drawing/2014/main" id="{B8FE7165-F637-B91F-2B6E-D18E0BA330A3}"/>
+              </a:ext>
+            </a:extLst>
+          </p:cNvPr>
+          <p:cNvPicPr>
+            <a:picLocks noChangeAspect="1"/>
+          </p:cNvPicPr>
+          <p:nvPr/>
+        </p:nvPicPr>
+        <p:blipFill>
+          <a:blip r:embed="rId2"/>
+          <a:stretch>
+            <a:fillRect/>
+          </a:stretch>
+        </p:blipFill>
+        <p:spPr>
+          <a:xfrm>
+            <a:off x="9383199" y="915287"/>
+            <a:ext cx="2350080" cy="1813293"/>
+          </a:xfrm>
+          <a:prstGeom prst="rect">
+            <a:avLst/>
+          </a:prstGeom>
+        </p:spPr>
+      </p:pic>
+      <p:pic>
+        <p:nvPicPr>
+          <p:cNvPr id="23" name="Picture 22">
+            <a:extLst>
+              <a:ext uri="{FF2B5EF4-FFF2-40B4-BE49-F238E27FC236}">
+                <a16:creationId xmlns:a16="http://schemas.microsoft.com/office/drawing/2014/main" id="{419CB47E-6D8E-5B19-58CF-049128932316}"/>
+              </a:ext>
+            </a:extLst>
+          </p:cNvPr>
+          <p:cNvPicPr>
+            <a:picLocks noChangeAspect="1"/>
+          </p:cNvPicPr>
+          <p:nvPr/>
+        </p:nvPicPr>
+        <p:blipFill>
+          <a:blip r:embed="rId3"/>
+          <a:stretch>
+            <a:fillRect/>
+          </a:stretch>
+        </p:blipFill>
+        <p:spPr>
+          <a:xfrm>
+            <a:off x="9259998" y="3450561"/>
+            <a:ext cx="2278078" cy="1305277"/>
+          </a:xfrm>
+          <a:prstGeom prst="rect">
+            <a:avLst/>
+          </a:prstGeom>
+        </p:spPr>
+      </p:pic>
     </p:spTree>
     <p:extLst>
       <p:ext uri="{BB962C8B-B14F-4D97-AF65-F5344CB8AC3E}">
         <p14:creationId xmlns:p14="http://schemas.microsoft.com/office/powerpoint/2010/main" val="2499585736"/>
+      </p:ext>
+    </p:extLst>
+  </p:cSld>
+  <p:clrMapOvr>
+    <a:masterClrMapping/>
+  </p:clrMapOvr>
+</p:sld>
+</file>
+
+<file path=ppt/slides/slide5.xml><?xml version="1.0" encoding="utf-8"?>
+<p:sld xmlns:a="http://schemas.openxmlformats.org/drawingml/2006/main" xmlns:r="http://schemas.openxmlformats.org/officeDocument/2006/relationships" xmlns:p="http://schemas.openxmlformats.org/presentationml/2006/main">
+  <p:cSld>
+    <p:spTree>
+      <p:nvGrpSpPr>
+        <p:cNvPr id="1" name="">
+          <a:extLst>
+            <a:ext uri="{FF2B5EF4-FFF2-40B4-BE49-F238E27FC236}">
+              <a16:creationId xmlns:a16="http://schemas.microsoft.com/office/drawing/2014/main" id="{2519AAFE-7383-47AA-C781-24FBA6BEDC22}"/>
+            </a:ext>
+          </a:extLst>
+        </p:cNvPr>
+        <p:cNvGrpSpPr/>
+        <p:nvPr/>
+      </p:nvGrpSpPr>
+      <p:grpSpPr>
+        <a:xfrm>
+          <a:off x="0" y="0"/>
+          <a:ext cx="0" cy="0"/>
+          <a:chOff x="0" y="0"/>
+          <a:chExt cx="0" cy="0"/>
+        </a:xfrm>
+      </p:grpSpPr>
+      <p:sp>
+        <p:nvSpPr>
+          <p:cNvPr id="4" name="Rectangle 3">
+            <a:extLst>
+              <a:ext uri="{FF2B5EF4-FFF2-40B4-BE49-F238E27FC236}">
+                <a16:creationId xmlns:a16="http://schemas.microsoft.com/office/drawing/2014/main" id="{71668A35-772E-2AC1-604C-8910A61E745E}"/>
+              </a:ext>
+            </a:extLst>
+          </p:cNvPr>
+          <p:cNvSpPr/>
+          <p:nvPr/>
+        </p:nvSpPr>
+        <p:spPr>
+          <a:xfrm>
+            <a:off x="692458" y="1429305"/>
+            <a:ext cx="1296140" cy="2343705"/>
+          </a:xfrm>
+          <a:prstGeom prst="rect">
+            <a:avLst/>
+          </a:prstGeom>
+        </p:spPr>
+        <p:style>
+          <a:lnRef idx="2">
+            <a:schemeClr val="accent1">
+              <a:shade val="15000"/>
+            </a:schemeClr>
+          </a:lnRef>
+          <a:fillRef idx="1">
+            <a:schemeClr val="accent1"/>
+          </a:fillRef>
+          <a:effectRef idx="0">
+            <a:schemeClr val="accent1"/>
+          </a:effectRef>
+          <a:fontRef idx="minor">
+            <a:schemeClr val="lt1"/>
+          </a:fontRef>
+        </p:style>
+        <p:txBody>
+          <a:bodyPr rtlCol="0" anchor="ctr"/>
+          <a:lstStyle/>
+          <a:p>
+            <a:pPr algn="ctr"/>
+            <a:r>
+              <a:rPr lang="en-US" sz="1200" dirty="0"/>
+              <a:t>Application</a:t>
+            </a:r>
+          </a:p>
+        </p:txBody>
+      </p:sp>
+      <p:cxnSp>
+        <p:nvCxnSpPr>
+          <p:cNvPr id="7" name="Straight Arrow Connector 6">
+            <a:extLst>
+              <a:ext uri="{FF2B5EF4-FFF2-40B4-BE49-F238E27FC236}">
+                <a16:creationId xmlns:a16="http://schemas.microsoft.com/office/drawing/2014/main" id="{50B0C997-5E53-15E6-F10F-E456B46437C2}"/>
+              </a:ext>
+            </a:extLst>
+          </p:cNvPr>
+          <p:cNvCxnSpPr>
+            <a:cxnSpLocks/>
+          </p:cNvCxnSpPr>
+          <p:nvPr/>
+        </p:nvCxnSpPr>
+        <p:spPr>
+          <a:xfrm flipV="1">
+            <a:off x="2059619" y="2006600"/>
+            <a:ext cx="6627181" cy="97408"/>
+          </a:xfrm>
+          <a:prstGeom prst="straightConnector1">
+            <a:avLst/>
+          </a:prstGeom>
+          <a:ln w="57150">
+            <a:solidFill>
+              <a:srgbClr val="00B0F0"/>
+            </a:solidFill>
+            <a:tailEnd type="triangle"/>
+          </a:ln>
+        </p:spPr>
+        <p:style>
+          <a:lnRef idx="2">
+            <a:schemeClr val="accent1"/>
+          </a:lnRef>
+          <a:fillRef idx="0">
+            <a:schemeClr val="accent1"/>
+          </a:fillRef>
+          <a:effectRef idx="1">
+            <a:schemeClr val="accent1"/>
+          </a:effectRef>
+          <a:fontRef idx="minor">
+            <a:schemeClr val="tx1"/>
+          </a:fontRef>
+        </p:style>
+      </p:cxnSp>
+      <p:sp>
+        <p:nvSpPr>
+          <p:cNvPr id="8" name="TextBox 7">
+            <a:extLst>
+              <a:ext uri="{FF2B5EF4-FFF2-40B4-BE49-F238E27FC236}">
+                <a16:creationId xmlns:a16="http://schemas.microsoft.com/office/drawing/2014/main" id="{8F88EC56-03AB-0FB6-7EE1-36F609615597}"/>
+              </a:ext>
+            </a:extLst>
+          </p:cNvPr>
+          <p:cNvSpPr txBox="1"/>
+          <p:nvPr/>
+        </p:nvSpPr>
+        <p:spPr>
+          <a:xfrm>
+            <a:off x="2059619" y="1850092"/>
+            <a:ext cx="1627369" cy="253916"/>
+          </a:xfrm>
+          <a:prstGeom prst="rect">
+            <a:avLst/>
+          </a:prstGeom>
+          <a:noFill/>
+        </p:spPr>
+        <p:txBody>
+          <a:bodyPr wrap="square" rtlCol="0">
+            <a:spAutoFit/>
+          </a:bodyPr>
+          <a:lstStyle/>
+          <a:p>
+            <a:r>
+              <a:rPr lang="en-US" sz="1050" dirty="0"/>
+              <a:t>Create </a:t>
+            </a:r>
+            <a:r>
+              <a:rPr lang="en-US" sz="1050" dirty="0" err="1"/>
+              <a:t>CustomerTickets</a:t>
+            </a:r>
+            <a:r>
+              <a:rPr lang="en-US" sz="1050" dirty="0"/>
+              <a:t> </a:t>
+            </a:r>
+          </a:p>
+        </p:txBody>
+      </p:sp>
+      <p:sp>
+        <p:nvSpPr>
+          <p:cNvPr id="3" name="Rectangle 2">
+            <a:extLst>
+              <a:ext uri="{FF2B5EF4-FFF2-40B4-BE49-F238E27FC236}">
+                <a16:creationId xmlns:a16="http://schemas.microsoft.com/office/drawing/2014/main" id="{3868104B-9429-DDA3-1226-7553B7FFDD8C}"/>
+              </a:ext>
+            </a:extLst>
+          </p:cNvPr>
+          <p:cNvSpPr/>
+          <p:nvPr/>
+        </p:nvSpPr>
+        <p:spPr>
+          <a:xfrm>
+            <a:off x="3931058" y="1429304"/>
+            <a:ext cx="1296140" cy="2343705"/>
+          </a:xfrm>
+          <a:prstGeom prst="rect">
+            <a:avLst/>
+          </a:prstGeom>
+          <a:solidFill>
+            <a:schemeClr val="accent3">
+              <a:lumMod val="60000"/>
+              <a:lumOff val="40000"/>
+            </a:schemeClr>
+          </a:solidFill>
+        </p:spPr>
+        <p:style>
+          <a:lnRef idx="2">
+            <a:schemeClr val="accent1">
+              <a:shade val="15000"/>
+            </a:schemeClr>
+          </a:lnRef>
+          <a:fillRef idx="1">
+            <a:schemeClr val="accent1"/>
+          </a:fillRef>
+          <a:effectRef idx="0">
+            <a:schemeClr val="accent1"/>
+          </a:effectRef>
+          <a:fontRef idx="minor">
+            <a:schemeClr val="lt1"/>
+          </a:fontRef>
+        </p:style>
+        <p:txBody>
+          <a:bodyPr rtlCol="0" anchor="ctr"/>
+          <a:lstStyle/>
+          <a:p>
+            <a:pPr algn="ctr"/>
+            <a:r>
+              <a:rPr lang="en-US" sz="1200" dirty="0" err="1">
+                <a:solidFill>
+                  <a:schemeClr val="tx1">
+                    <a:lumMod val="75000"/>
+                    <a:lumOff val="25000"/>
+                  </a:schemeClr>
+                </a:solidFill>
+              </a:rPr>
+              <a:t>CanaryApps</a:t>
+            </a:r>
+            <a:endParaRPr lang="en-US" sz="1200" dirty="0">
+              <a:solidFill>
+                <a:schemeClr val="tx1">
+                  <a:lumMod val="75000"/>
+                  <a:lumOff val="25000"/>
+                </a:schemeClr>
+              </a:solidFill>
+            </a:endParaRPr>
+          </a:p>
+        </p:txBody>
+      </p:sp>
+      <p:cxnSp>
+        <p:nvCxnSpPr>
+          <p:cNvPr id="9" name="Straight Arrow Connector 8">
+            <a:extLst>
+              <a:ext uri="{FF2B5EF4-FFF2-40B4-BE49-F238E27FC236}">
+                <a16:creationId xmlns:a16="http://schemas.microsoft.com/office/drawing/2014/main" id="{8129E1E0-C5D2-B9FF-1CFC-47368DFA159F}"/>
+              </a:ext>
+            </a:extLst>
+          </p:cNvPr>
+          <p:cNvCxnSpPr>
+            <a:cxnSpLocks/>
+          </p:cNvCxnSpPr>
+          <p:nvPr/>
+        </p:nvCxnSpPr>
+        <p:spPr>
+          <a:xfrm>
+            <a:off x="5181498" y="2104008"/>
+            <a:ext cx="3651784" cy="1540892"/>
+          </a:xfrm>
+          <a:prstGeom prst="straightConnector1">
+            <a:avLst/>
+          </a:prstGeom>
+          <a:ln w="57150">
+            <a:solidFill>
+              <a:srgbClr val="00B0F0"/>
+            </a:solidFill>
+            <a:tailEnd type="triangle"/>
+          </a:ln>
+        </p:spPr>
+        <p:style>
+          <a:lnRef idx="2">
+            <a:schemeClr val="accent1"/>
+          </a:lnRef>
+          <a:fillRef idx="0">
+            <a:schemeClr val="accent1"/>
+          </a:fillRef>
+          <a:effectRef idx="1">
+            <a:schemeClr val="accent1"/>
+          </a:effectRef>
+          <a:fontRef idx="minor">
+            <a:schemeClr val="tx1"/>
+          </a:fontRef>
+        </p:style>
+      </p:cxnSp>
+      <p:sp>
+        <p:nvSpPr>
+          <p:cNvPr id="16" name="TextBox 15">
+            <a:extLst>
+              <a:ext uri="{FF2B5EF4-FFF2-40B4-BE49-F238E27FC236}">
+                <a16:creationId xmlns:a16="http://schemas.microsoft.com/office/drawing/2014/main" id="{1333D99E-1A41-7042-7F16-4F8F34518FF4}"/>
+              </a:ext>
+            </a:extLst>
+          </p:cNvPr>
+          <p:cNvSpPr txBox="1"/>
+          <p:nvPr/>
+        </p:nvSpPr>
+        <p:spPr>
+          <a:xfrm>
+            <a:off x="6385104" y="1637268"/>
+            <a:ext cx="1685398" cy="369332"/>
+          </a:xfrm>
+          <a:prstGeom prst="rect">
+            <a:avLst/>
+          </a:prstGeom>
+          <a:noFill/>
+        </p:spPr>
+        <p:txBody>
+          <a:bodyPr wrap="none" rtlCol="0">
+            <a:spAutoFit/>
+          </a:bodyPr>
+          <a:lstStyle/>
+          <a:p>
+            <a:r>
+              <a:rPr lang="fr-FR" dirty="0"/>
+              <a:t>80%: Parent V1</a:t>
+            </a:r>
+            <a:endParaRPr lang="en-US" dirty="0"/>
+          </a:p>
+        </p:txBody>
+      </p:sp>
+      <p:sp>
+        <p:nvSpPr>
+          <p:cNvPr id="17" name="TextBox 16">
+            <a:extLst>
+              <a:ext uri="{FF2B5EF4-FFF2-40B4-BE49-F238E27FC236}">
+                <a16:creationId xmlns:a16="http://schemas.microsoft.com/office/drawing/2014/main" id="{9A803397-7F0F-8110-5AB4-798A68A57CF6}"/>
+              </a:ext>
+            </a:extLst>
+          </p:cNvPr>
+          <p:cNvSpPr txBox="1"/>
+          <p:nvPr/>
+        </p:nvSpPr>
+        <p:spPr>
+          <a:xfrm>
+            <a:off x="5855809" y="3154957"/>
+            <a:ext cx="1685398" cy="369332"/>
+          </a:xfrm>
+          <a:prstGeom prst="rect">
+            <a:avLst/>
+          </a:prstGeom>
+          <a:noFill/>
+        </p:spPr>
+        <p:txBody>
+          <a:bodyPr wrap="none" rtlCol="0">
+            <a:spAutoFit/>
+          </a:bodyPr>
+          <a:lstStyle/>
+          <a:p>
+            <a:r>
+              <a:rPr lang="fr-FR" dirty="0"/>
+              <a:t>20%: Parent V2</a:t>
+            </a:r>
+            <a:endParaRPr lang="en-US" dirty="0"/>
+          </a:p>
+        </p:txBody>
+      </p:sp>
+      <p:pic>
+        <p:nvPicPr>
+          <p:cNvPr id="5" name="Picture 4">
+            <a:extLst>
+              <a:ext uri="{FF2B5EF4-FFF2-40B4-BE49-F238E27FC236}">
+                <a16:creationId xmlns:a16="http://schemas.microsoft.com/office/drawing/2014/main" id="{32345965-DDB2-4AA4-04D1-72303AAC528C}"/>
+              </a:ext>
+            </a:extLst>
+          </p:cNvPr>
+          <p:cNvPicPr>
+            <a:picLocks noChangeAspect="1"/>
+          </p:cNvPicPr>
+          <p:nvPr/>
+        </p:nvPicPr>
+        <p:blipFill>
+          <a:blip r:embed="rId2"/>
+          <a:stretch>
+            <a:fillRect/>
+          </a:stretch>
+        </p:blipFill>
+        <p:spPr>
+          <a:xfrm>
+            <a:off x="8906818" y="809399"/>
+            <a:ext cx="2592724" cy="1933037"/>
+          </a:xfrm>
+          <a:prstGeom prst="rect">
+            <a:avLst/>
+          </a:prstGeom>
+        </p:spPr>
+      </p:pic>
+      <p:pic>
+        <p:nvPicPr>
+          <p:cNvPr id="10" name="Picture 9">
+            <a:extLst>
+              <a:ext uri="{FF2B5EF4-FFF2-40B4-BE49-F238E27FC236}">
+                <a16:creationId xmlns:a16="http://schemas.microsoft.com/office/drawing/2014/main" id="{E4255561-AA94-99EE-4221-8AFA78AA761F}"/>
+              </a:ext>
+            </a:extLst>
+          </p:cNvPr>
+          <p:cNvPicPr>
+            <a:picLocks noChangeAspect="1"/>
+          </p:cNvPicPr>
+          <p:nvPr/>
+        </p:nvPicPr>
+        <p:blipFill>
+          <a:blip r:embed="rId3"/>
+          <a:stretch>
+            <a:fillRect/>
+          </a:stretch>
+        </p:blipFill>
+        <p:spPr>
+          <a:xfrm>
+            <a:off x="8979293" y="3524289"/>
+            <a:ext cx="2075525" cy="1787258"/>
+          </a:xfrm>
+          <a:prstGeom prst="rect">
+            <a:avLst/>
+          </a:prstGeom>
+        </p:spPr>
+      </p:pic>
+    </p:spTree>
+    <p:extLst>
+      <p:ext uri="{BB962C8B-B14F-4D97-AF65-F5344CB8AC3E}">
+        <p14:creationId xmlns:p14="http://schemas.microsoft.com/office/powerpoint/2010/main" val="3760401998"/>
+      </p:ext>
+    </p:extLst>
+  </p:cSld>
+  <p:clrMapOvr>
+    <a:masterClrMapping/>
+  </p:clrMapOvr>
+</p:sld>
+</file>
+
+<file path=ppt/slides/slide6.xml><?xml version="1.0" encoding="utf-8"?>
+<p:sld xmlns:a="http://schemas.openxmlformats.org/drawingml/2006/main" xmlns:r="http://schemas.openxmlformats.org/officeDocument/2006/relationships" xmlns:p="http://schemas.openxmlformats.org/presentationml/2006/main">
+  <p:cSld>
+    <p:spTree>
+      <p:nvGrpSpPr>
+        <p:cNvPr id="1" name="">
+          <a:extLst>
+            <a:ext uri="{FF2B5EF4-FFF2-40B4-BE49-F238E27FC236}">
+              <a16:creationId xmlns:a16="http://schemas.microsoft.com/office/drawing/2014/main" id="{22803EDB-F37C-6940-9E79-17EDD49CF62E}"/>
+            </a:ext>
+          </a:extLst>
+        </p:cNvPr>
+        <p:cNvGrpSpPr/>
+        <p:nvPr/>
+      </p:nvGrpSpPr>
+      <p:grpSpPr>
+        <a:xfrm>
+          <a:off x="0" y="0"/>
+          <a:ext cx="0" cy="0"/>
+          <a:chOff x="0" y="0"/>
+          <a:chExt cx="0" cy="0"/>
+        </a:xfrm>
+      </p:grpSpPr>
+      <p:sp>
+        <p:nvSpPr>
+          <p:cNvPr id="4" name="Rectangle 3">
+            <a:extLst>
+              <a:ext uri="{FF2B5EF4-FFF2-40B4-BE49-F238E27FC236}">
+                <a16:creationId xmlns:a16="http://schemas.microsoft.com/office/drawing/2014/main" id="{1550ED10-7F9F-ADAD-B9C8-655CA3AC36AB}"/>
+              </a:ext>
+            </a:extLst>
+          </p:cNvPr>
+          <p:cNvSpPr/>
+          <p:nvPr/>
+        </p:nvSpPr>
+        <p:spPr>
+          <a:xfrm>
+            <a:off x="692458" y="1429305"/>
+            <a:ext cx="1296140" cy="2343705"/>
+          </a:xfrm>
+          <a:prstGeom prst="rect">
+            <a:avLst/>
+          </a:prstGeom>
+        </p:spPr>
+        <p:style>
+          <a:lnRef idx="2">
+            <a:schemeClr val="accent1">
+              <a:shade val="15000"/>
+            </a:schemeClr>
+          </a:lnRef>
+          <a:fillRef idx="1">
+            <a:schemeClr val="accent1"/>
+          </a:fillRef>
+          <a:effectRef idx="0">
+            <a:schemeClr val="accent1"/>
+          </a:effectRef>
+          <a:fontRef idx="minor">
+            <a:schemeClr val="lt1"/>
+          </a:fontRef>
+        </p:style>
+        <p:txBody>
+          <a:bodyPr rtlCol="0" anchor="ctr"/>
+          <a:lstStyle/>
+          <a:p>
+            <a:pPr algn="ctr"/>
+            <a:r>
+              <a:rPr lang="en-US" sz="1200" dirty="0"/>
+              <a:t>Application</a:t>
+            </a:r>
+          </a:p>
+        </p:txBody>
+      </p:sp>
+      <p:cxnSp>
+        <p:nvCxnSpPr>
+          <p:cNvPr id="7" name="Straight Arrow Connector 6">
+            <a:extLst>
+              <a:ext uri="{FF2B5EF4-FFF2-40B4-BE49-F238E27FC236}">
+                <a16:creationId xmlns:a16="http://schemas.microsoft.com/office/drawing/2014/main" id="{25912545-94BB-2B5D-79EA-19D339B5F99B}"/>
+              </a:ext>
+            </a:extLst>
+          </p:cNvPr>
+          <p:cNvCxnSpPr>
+            <a:cxnSpLocks/>
+          </p:cNvCxnSpPr>
+          <p:nvPr/>
+        </p:nvCxnSpPr>
+        <p:spPr>
+          <a:xfrm flipV="1">
+            <a:off x="2059619" y="2006600"/>
+            <a:ext cx="6627181" cy="97408"/>
+          </a:xfrm>
+          <a:prstGeom prst="straightConnector1">
+            <a:avLst/>
+          </a:prstGeom>
+          <a:ln w="57150">
+            <a:solidFill>
+              <a:srgbClr val="00B0F0"/>
+            </a:solidFill>
+            <a:tailEnd type="triangle"/>
+          </a:ln>
+        </p:spPr>
+        <p:style>
+          <a:lnRef idx="2">
+            <a:schemeClr val="accent1"/>
+          </a:lnRef>
+          <a:fillRef idx="0">
+            <a:schemeClr val="accent1"/>
+          </a:fillRef>
+          <a:effectRef idx="1">
+            <a:schemeClr val="accent1"/>
+          </a:effectRef>
+          <a:fontRef idx="minor">
+            <a:schemeClr val="tx1"/>
+          </a:fontRef>
+        </p:style>
+      </p:cxnSp>
+      <p:sp>
+        <p:nvSpPr>
+          <p:cNvPr id="8" name="TextBox 7">
+            <a:extLst>
+              <a:ext uri="{FF2B5EF4-FFF2-40B4-BE49-F238E27FC236}">
+                <a16:creationId xmlns:a16="http://schemas.microsoft.com/office/drawing/2014/main" id="{6E97DD6E-D95C-95D3-7F17-62730140BBC3}"/>
+              </a:ext>
+            </a:extLst>
+          </p:cNvPr>
+          <p:cNvSpPr txBox="1"/>
+          <p:nvPr/>
+        </p:nvSpPr>
+        <p:spPr>
+          <a:xfrm>
+            <a:off x="2059619" y="1850092"/>
+            <a:ext cx="1627369" cy="253916"/>
+          </a:xfrm>
+          <a:prstGeom prst="rect">
+            <a:avLst/>
+          </a:prstGeom>
+          <a:noFill/>
+        </p:spPr>
+        <p:txBody>
+          <a:bodyPr wrap="square" rtlCol="0">
+            <a:spAutoFit/>
+          </a:bodyPr>
+          <a:lstStyle/>
+          <a:p>
+            <a:r>
+              <a:rPr lang="en-US" sz="1050" dirty="0"/>
+              <a:t>Create </a:t>
+            </a:r>
+            <a:r>
+              <a:rPr lang="en-US" sz="1050" dirty="0" err="1"/>
+              <a:t>CustomerTickets</a:t>
+            </a:r>
+            <a:r>
+              <a:rPr lang="en-US" sz="1050" dirty="0"/>
+              <a:t> </a:t>
+            </a:r>
+          </a:p>
+        </p:txBody>
+      </p:sp>
+      <p:sp>
+        <p:nvSpPr>
+          <p:cNvPr id="3" name="Rectangle 2">
+            <a:extLst>
+              <a:ext uri="{FF2B5EF4-FFF2-40B4-BE49-F238E27FC236}">
+                <a16:creationId xmlns:a16="http://schemas.microsoft.com/office/drawing/2014/main" id="{7DBC7A6B-D3B9-225E-0C6F-8BC794D3525C}"/>
+              </a:ext>
+            </a:extLst>
+          </p:cNvPr>
+          <p:cNvSpPr/>
+          <p:nvPr/>
+        </p:nvSpPr>
+        <p:spPr>
+          <a:xfrm>
+            <a:off x="3931058" y="1429304"/>
+            <a:ext cx="1296140" cy="2343705"/>
+          </a:xfrm>
+          <a:prstGeom prst="rect">
+            <a:avLst/>
+          </a:prstGeom>
+          <a:solidFill>
+            <a:schemeClr val="accent3">
+              <a:lumMod val="60000"/>
+              <a:lumOff val="40000"/>
+            </a:schemeClr>
+          </a:solidFill>
+        </p:spPr>
+        <p:style>
+          <a:lnRef idx="2">
+            <a:schemeClr val="accent1">
+              <a:shade val="15000"/>
+            </a:schemeClr>
+          </a:lnRef>
+          <a:fillRef idx="1">
+            <a:schemeClr val="accent1"/>
+          </a:fillRef>
+          <a:effectRef idx="0">
+            <a:schemeClr val="accent1"/>
+          </a:effectRef>
+          <a:fontRef idx="minor">
+            <a:schemeClr val="lt1"/>
+          </a:fontRef>
+        </p:style>
+        <p:txBody>
+          <a:bodyPr rtlCol="0" anchor="ctr"/>
+          <a:lstStyle/>
+          <a:p>
+            <a:pPr algn="ctr"/>
+            <a:r>
+              <a:rPr lang="en-US" sz="1200" dirty="0" err="1">
+                <a:solidFill>
+                  <a:schemeClr val="tx1">
+                    <a:lumMod val="75000"/>
+                    <a:lumOff val="25000"/>
+                  </a:schemeClr>
+                </a:solidFill>
+              </a:rPr>
+              <a:t>CanaryApps</a:t>
+            </a:r>
+            <a:endParaRPr lang="en-US" sz="1200" dirty="0">
+              <a:solidFill>
+                <a:schemeClr val="tx1">
+                  <a:lumMod val="75000"/>
+                  <a:lumOff val="25000"/>
+                </a:schemeClr>
+              </a:solidFill>
+            </a:endParaRPr>
+          </a:p>
+        </p:txBody>
+      </p:sp>
+      <p:cxnSp>
+        <p:nvCxnSpPr>
+          <p:cNvPr id="9" name="Straight Arrow Connector 8">
+            <a:extLst>
+              <a:ext uri="{FF2B5EF4-FFF2-40B4-BE49-F238E27FC236}">
+                <a16:creationId xmlns:a16="http://schemas.microsoft.com/office/drawing/2014/main" id="{E98B9B7C-4494-7753-B6E9-69F58D8ED70B}"/>
+              </a:ext>
+            </a:extLst>
+          </p:cNvPr>
+          <p:cNvCxnSpPr>
+            <a:cxnSpLocks/>
+          </p:cNvCxnSpPr>
+          <p:nvPr/>
+        </p:nvCxnSpPr>
+        <p:spPr>
+          <a:xfrm>
+            <a:off x="5181498" y="2104008"/>
+            <a:ext cx="3651784" cy="1540892"/>
+          </a:xfrm>
+          <a:prstGeom prst="straightConnector1">
+            <a:avLst/>
+          </a:prstGeom>
+          <a:ln w="57150">
+            <a:solidFill>
+              <a:srgbClr val="00B0F0"/>
+            </a:solidFill>
+            <a:tailEnd type="triangle"/>
+          </a:ln>
+        </p:spPr>
+        <p:style>
+          <a:lnRef idx="2">
+            <a:schemeClr val="accent1"/>
+          </a:lnRef>
+          <a:fillRef idx="0">
+            <a:schemeClr val="accent1"/>
+          </a:fillRef>
+          <a:effectRef idx="1">
+            <a:schemeClr val="accent1"/>
+          </a:effectRef>
+          <a:fontRef idx="minor">
+            <a:schemeClr val="tx1"/>
+          </a:fontRef>
+        </p:style>
+      </p:cxnSp>
+      <p:sp>
+        <p:nvSpPr>
+          <p:cNvPr id="16" name="TextBox 15">
+            <a:extLst>
+              <a:ext uri="{FF2B5EF4-FFF2-40B4-BE49-F238E27FC236}">
+                <a16:creationId xmlns:a16="http://schemas.microsoft.com/office/drawing/2014/main" id="{3A611920-08FC-EFE6-9C1C-FAC651EB3C09}"/>
+              </a:ext>
+            </a:extLst>
+          </p:cNvPr>
+          <p:cNvSpPr txBox="1"/>
+          <p:nvPr/>
+        </p:nvSpPr>
+        <p:spPr>
+          <a:xfrm>
+            <a:off x="5668218" y="1637268"/>
+            <a:ext cx="3804847" cy="369332"/>
+          </a:xfrm>
+          <a:prstGeom prst="rect">
+            <a:avLst/>
+          </a:prstGeom>
+          <a:noFill/>
+        </p:spPr>
+        <p:txBody>
+          <a:bodyPr wrap="square" rtlCol="0">
+            <a:spAutoFit/>
+          </a:bodyPr>
+          <a:lstStyle/>
+          <a:p>
+            <a:r>
+              <a:rPr lang="fr-FR" dirty="0"/>
+              <a:t>80%: </a:t>
+            </a:r>
+            <a:r>
+              <a:rPr lang="fr-FR" dirty="0" err="1"/>
+              <a:t>jobTypeToUse</a:t>
+            </a:r>
+            <a:r>
+              <a:rPr lang="fr-FR" dirty="0"/>
+              <a:t>=Email-V1</a:t>
+            </a:r>
+          </a:p>
+        </p:txBody>
+      </p:sp>
+      <p:sp>
+        <p:nvSpPr>
+          <p:cNvPr id="17" name="TextBox 16">
+            <a:extLst>
+              <a:ext uri="{FF2B5EF4-FFF2-40B4-BE49-F238E27FC236}">
+                <a16:creationId xmlns:a16="http://schemas.microsoft.com/office/drawing/2014/main" id="{8D5DE2D6-8188-637F-54B4-309E22CD5D6A}"/>
+              </a:ext>
+            </a:extLst>
+          </p:cNvPr>
+          <p:cNvSpPr txBox="1"/>
+          <p:nvPr/>
+        </p:nvSpPr>
+        <p:spPr>
+          <a:xfrm>
+            <a:off x="5471268" y="3460234"/>
+            <a:ext cx="3145926" cy="369332"/>
+          </a:xfrm>
+          <a:prstGeom prst="rect">
+            <a:avLst/>
+          </a:prstGeom>
+          <a:noFill/>
+        </p:spPr>
+        <p:txBody>
+          <a:bodyPr wrap="none" rtlCol="0">
+            <a:spAutoFit/>
+          </a:bodyPr>
+          <a:lstStyle/>
+          <a:p>
+            <a:r>
+              <a:rPr lang="fr-FR" dirty="0"/>
+              <a:t>20%: </a:t>
+            </a:r>
+            <a:r>
+              <a:rPr lang="fr-FR" dirty="0" err="1"/>
+              <a:t>jobTypeToUse</a:t>
+            </a:r>
+            <a:r>
+              <a:rPr lang="fr-FR" dirty="0"/>
+              <a:t>=Email-V2</a:t>
+            </a:r>
+            <a:endParaRPr lang="en-US" dirty="0"/>
+          </a:p>
+        </p:txBody>
+      </p:sp>
+      <p:pic>
+        <p:nvPicPr>
+          <p:cNvPr id="6" name="Picture 5">
+            <a:extLst>
+              <a:ext uri="{FF2B5EF4-FFF2-40B4-BE49-F238E27FC236}">
+                <a16:creationId xmlns:a16="http://schemas.microsoft.com/office/drawing/2014/main" id="{DC95B328-A4F7-CD7E-1092-EA6A01F6D92D}"/>
+              </a:ext>
+            </a:extLst>
+          </p:cNvPr>
+          <p:cNvPicPr>
+            <a:picLocks noChangeAspect="1"/>
+          </p:cNvPicPr>
+          <p:nvPr/>
+        </p:nvPicPr>
+        <p:blipFill>
+          <a:blip r:embed="rId2"/>
+          <a:stretch>
+            <a:fillRect/>
+          </a:stretch>
+        </p:blipFill>
+        <p:spPr>
+          <a:xfrm>
+            <a:off x="8930870" y="1083855"/>
+            <a:ext cx="2904490" cy="1540892"/>
+          </a:xfrm>
+          <a:prstGeom prst="rect">
+            <a:avLst/>
+          </a:prstGeom>
+        </p:spPr>
+      </p:pic>
+      <p:pic>
+        <p:nvPicPr>
+          <p:cNvPr id="12" name="Picture 11">
+            <a:extLst>
+              <a:ext uri="{FF2B5EF4-FFF2-40B4-BE49-F238E27FC236}">
+                <a16:creationId xmlns:a16="http://schemas.microsoft.com/office/drawing/2014/main" id="{223393FE-A626-DE64-C904-37D0AD70B6FA}"/>
+              </a:ext>
+            </a:extLst>
+          </p:cNvPr>
+          <p:cNvPicPr>
+            <a:picLocks noChangeAspect="1"/>
+          </p:cNvPicPr>
+          <p:nvPr/>
+        </p:nvPicPr>
+        <p:blipFill>
+          <a:blip r:embed="rId3"/>
+          <a:stretch>
+            <a:fillRect/>
+          </a:stretch>
+        </p:blipFill>
+        <p:spPr>
+          <a:xfrm>
+            <a:off x="8369299" y="3925488"/>
+            <a:ext cx="3481565" cy="1961935"/>
+          </a:xfrm>
+          <a:prstGeom prst="rect">
+            <a:avLst/>
+          </a:prstGeom>
+        </p:spPr>
+      </p:pic>
+    </p:spTree>
+    <p:extLst>
+      <p:ext uri="{BB962C8B-B14F-4D97-AF65-F5344CB8AC3E}">
+        <p14:creationId xmlns:p14="http://schemas.microsoft.com/office/powerpoint/2010/main" val="3622512970"/>
       </p:ext>
     </p:extLst>
   </p:cSld>
